--- a/Final Project Submission/Presentation.pptx
+++ b/Final Project Submission/Presentation.pptx
@@ -22114,7 +22114,7 @@
             <a:tbl>
               <a:tblPr>
                 <a:noFill/>
-                <a:tableStyleId>{05A7C342-B550-4817-956C-877140A0EF3A}</a:tableStyleId>
+                <a:tableStyleId>{6C899456-ADF3-4651-B06C-344340366094}</a:tableStyleId>
               </a:tblPr>
               <a:tblGrid>
                 <a:gridCol w="2186525"/>
@@ -23572,7 +23572,7 @@
           <p:nvPr/>
         </p:nvGraphicFramePr>
         <p:xfrm>
-          <a:off x="1074738" y="4731000"/>
+          <a:off x="1074738" y="4613400"/>
           <a:ext cx="3000000" cy="3000000"/>
         </p:xfrm>
         <a:graphic>
@@ -23580,7 +23580,7 @@
             <a:tbl>
               <a:tblPr>
                 <a:noFill/>
-                <a:tableStyleId>{05A7C342-B550-4817-956C-877140A0EF3A}</a:tableStyleId>
+                <a:tableStyleId>{6C899456-ADF3-4651-B06C-344340366094}</a:tableStyleId>
               </a:tblPr>
               <a:tblGrid>
                 <a:gridCol w="2186525"/>
